--- a/Образец.pptx
+++ b/Образец.pptx
@@ -13,9 +13,10 @@
     <p:sldId id="291" r:id="rId7"/>
     <p:sldId id="292" r:id="rId8"/>
     <p:sldId id="293" r:id="rId9"/>
-    <p:sldId id="294" r:id="rId10"/>
-    <p:sldId id="295" r:id="rId11"/>
-    <p:sldId id="288" r:id="rId12"/>
+    <p:sldId id="297" r:id="rId10"/>
+    <p:sldId id="294" r:id="rId11"/>
+    <p:sldId id="295" r:id="rId12"/>
+    <p:sldId id="288" r:id="rId13"/>
   </p:sldIdLst>
   <p:sldSz cx="12192000" cy="6858000"/>
   <p:notesSz cx="7559675" cy="10691813"/>
@@ -120,6 +121,14 @@
     </p:ext>
   </p:extLst>
 </p:presentation>
+</file>
+
+<file path=ppt/revisionInfo.xml><?xml version="1.0" encoding="utf-8"?>
+<p1510:revInfo xmlns:a="http://schemas.openxmlformats.org/drawingml/2006/main" xmlns:r="http://schemas.openxmlformats.org/officeDocument/2006/relationships" xmlns:p1510="http://schemas.microsoft.com/office/powerpoint/2015/10/main">
+  <p1510:revLst>
+    <p1510:client id="{1CCCB708-67A1-D1FB-E520-C969A14F79FC}" v="122" dt="2024-06-06T17:11:33.784"/>
+  </p1510:revLst>
+</p1510:revInfo>
 </file>
 
 <file path=ppt/slideLayouts/slideLayout1.xml><?xml version="1.0" encoding="utf-8"?>
@@ -2333,7 +2342,7 @@
           <a:fontRef idx="minor"/>
         </p:style>
         <p:txBody>
-          <a:bodyPr lIns="90000" tIns="45000" rIns="90000" bIns="45000">
+          <a:bodyPr lIns="90000" tIns="45000" rIns="90000" bIns="45000" anchor="t">
             <a:noAutofit/>
           </a:bodyPr>
           <a:lstStyle/>
@@ -2355,20 +2364,15 @@
             </a:r>
           </a:p>
           <a:p>
-            <a:pPr>
-              <a:lnSpc>
-                <a:spcPct val="100000"/>
-              </a:lnSpc>
-            </a:pPr>
-            <a:r>
-              <a:rPr lang="ru-RU" sz="2000" b="0" strike="noStrike" spc="-1" dirty="0">
+            <a:r>
+              <a:rPr lang="ru-RU" sz="2000" spc="-1" dirty="0">
                 <a:solidFill>
                   <a:srgbClr val="000000"/>
                 </a:solidFill>
                 <a:latin typeface="Times New Roman"/>
                 <a:ea typeface="DejaVu Sans"/>
               </a:rPr>
-              <a:t>Иванов Иван Иванович</a:t>
+              <a:t>Демкин Артем Сергеевич</a:t>
             </a:r>
             <a:br>
               <a:rPr lang="ru-RU" sz="2000" b="0" strike="noStrike" spc="-1" dirty="0">
@@ -2379,7 +2383,7 @@
                 <a:ea typeface="DejaVu Sans"/>
               </a:rPr>
             </a:br>
-            <a:endParaRPr lang="ru-RU" sz="2000" b="0" strike="noStrike" spc="-1" dirty="0">
+            <a:endParaRPr lang="ru-RU" sz="2000" b="0" strike="noStrike" spc="-1">
               <a:solidFill>
                 <a:srgbClr val="000000"/>
               </a:solidFill>
@@ -2464,7 +2468,7 @@
           <a:fontRef idx="minor"/>
         </p:style>
         <p:txBody>
-          <a:bodyPr lIns="90000" tIns="45000" rIns="90000" bIns="45000">
+          <a:bodyPr lIns="90000" tIns="45000" rIns="90000" bIns="45000" anchor="t">
             <a:noAutofit/>
           </a:bodyPr>
           <a:lstStyle/>
@@ -2484,47 +2488,18 @@
               </a:rPr>
               <a:t>Устройство и функционирование информационной системы</a:t>
             </a:r>
-            <a:br>
-              <a:rPr lang="ru-RU" sz="3200" b="1" strike="noStrike" spc="-1" dirty="0">
+          </a:p>
+          <a:p>
+            <a:pPr algn="ctr"/>
+            <a:r>
+              <a:rPr lang="ru-RU" sz="3200" b="1" spc="-1">
                 <a:solidFill>
                   <a:srgbClr val="000000"/>
                 </a:solidFill>
                 <a:latin typeface="Times New Roman"/>
-                <a:ea typeface="DejaVu Sans"/>
-              </a:rPr>
-            </a:br>
-            <a:r>
-              <a:rPr lang="ru-RU" sz="3200" b="1" strike="noStrike" spc="-1" dirty="0">
-                <a:solidFill>
-                  <a:srgbClr val="000000"/>
-                </a:solidFill>
-                <a:latin typeface="Times New Roman"/>
-                <a:ea typeface="DejaVu Sans"/>
-              </a:rPr>
-              <a:t>Курсовая работа </a:t>
-            </a:r>
-            <a:br>
-              <a:rPr lang="ru-RU" sz="3200" b="1" strike="noStrike" spc="-1" dirty="0">
-                <a:solidFill>
-                  <a:srgbClr val="000000"/>
-                </a:solidFill>
-                <a:latin typeface="Times New Roman"/>
-                <a:ea typeface="DejaVu Sans"/>
-              </a:rPr>
-            </a:br>
-            <a:r>
-              <a:rPr lang="ru-RU" sz="3200" b="1" strike="noStrike" spc="-1" dirty="0">
-                <a:solidFill>
-                  <a:srgbClr val="000000"/>
-                </a:solidFill>
-                <a:latin typeface="Times New Roman"/>
-                <a:ea typeface="DejaVu Sans"/>
-              </a:rPr>
-              <a:t>…</a:t>
-            </a:r>
-            <a:endParaRPr lang="ru-RU" sz="3200" b="0" strike="noStrike" spc="-1" dirty="0">
-              <a:latin typeface="Arial"/>
-            </a:endParaRPr>
+              </a:rPr>
+              <a:t>для спортивного магазина</a:t>
+            </a:r>
           </a:p>
         </p:txBody>
       </p:sp>
@@ -2642,7 +2617,17 @@
                 <a:latin typeface="Times New Roman"/>
                 <a:ea typeface="DejaVu Sans"/>
               </a:rPr>
-              <a:t>Декомпозиция в </a:t>
+              <a:t>Декомпозиция </a:t>
+            </a:r>
+            <a:r>
+              <a:rPr lang="ru-RU" sz="3600" b="1" strike="noStrike" spc="-1" dirty="0">
+                <a:solidFill>
+                  <a:srgbClr val="000000"/>
+                </a:solidFill>
+                <a:latin typeface="Times New Roman"/>
+                <a:ea typeface="DejaVu Sans"/>
+              </a:rPr>
+              <a:t>в </a:t>
             </a:r>
             <a:r>
               <a:rPr lang="en-US" sz="3600" b="1" strike="noStrike" spc="-1" dirty="0">
@@ -2652,7 +2637,7 @@
                 <a:latin typeface="Times New Roman"/>
                 <a:ea typeface="DejaVu Sans"/>
               </a:rPr>
-              <a:t>IDEF3</a:t>
+              <a:t>DFD</a:t>
             </a:r>
             <a:endParaRPr lang="ru-RU" sz="3600" b="0" strike="noStrike" spc="-1" dirty="0">
               <a:latin typeface="Arial"/>
@@ -2668,8 +2653,8 @@
         </p:nvSpPr>
         <p:spPr>
           <a:xfrm>
-            <a:off x="11685722" y="6336000"/>
-            <a:ext cx="625558" cy="583321"/>
+            <a:off x="11666100" y="6336000"/>
+            <a:ext cx="645180" cy="583321"/>
           </a:xfrm>
           <a:prstGeom prst="rect">
             <a:avLst/>
@@ -2692,7 +2677,7 @@
           <a:fontRef idx="minor"/>
         </p:style>
         <p:txBody>
-          <a:bodyPr wrap="square" lIns="90000" tIns="45000" rIns="90000" bIns="45000">
+          <a:bodyPr wrap="square" lIns="90000" tIns="45000" rIns="90000" bIns="45000" anchor="t">
             <a:spAutoFit/>
           </a:bodyPr>
           <a:lstStyle/>
@@ -2711,16 +2696,46 @@
               </a:rPr>
               <a:t>10</a:t>
             </a:r>
-            <a:endParaRPr lang="ru-RU" sz="3200" b="0" strike="noStrike" spc="-1" dirty="0">
-              <a:latin typeface="Arial"/>
-            </a:endParaRPr>
-          </a:p>
-        </p:txBody>
-      </p:sp>
+            <a:endParaRPr lang="ru-RU" sz="3200" b="1" strike="noStrike" spc="-1" dirty="0">
+              <a:latin typeface="Times New Roman"/>
+            </a:endParaRPr>
+          </a:p>
+        </p:txBody>
+      </p:sp>
+      <p:pic>
+        <p:nvPicPr>
+          <p:cNvPr id="2" name="Picture 1" descr="A screenshot of a computer&#10;&#10;Автоматически созданное описание">
+            <a:extLst>
+              <a:ext uri="{FF2B5EF4-FFF2-40B4-BE49-F238E27FC236}">
+                <a16:creationId xmlns:a16="http://schemas.microsoft.com/office/drawing/2014/main" id="{5FCA6505-4F5B-B87D-5585-4FBBDC29261E}"/>
+              </a:ext>
+            </a:extLst>
+          </p:cNvPr>
+          <p:cNvPicPr>
+            <a:picLocks noChangeAspect="1"/>
+          </p:cNvPicPr>
+          <p:nvPr/>
+        </p:nvPicPr>
+        <p:blipFill>
+          <a:blip r:embed="rId2"/>
+          <a:stretch>
+            <a:fillRect/>
+          </a:stretch>
+        </p:blipFill>
+        <p:spPr>
+          <a:xfrm>
+            <a:off x="2562042" y="1391479"/>
+            <a:ext cx="7101047" cy="4944718"/>
+          </a:xfrm>
+          <a:prstGeom prst="rect">
+            <a:avLst/>
+          </a:prstGeom>
+        </p:spPr>
+      </p:pic>
     </p:spTree>
     <p:extLst>
       <p:ext uri="{BB962C8B-B14F-4D97-AF65-F5344CB8AC3E}">
-        <p14:creationId xmlns:p14="http://schemas.microsoft.com/office/powerpoint/2010/main" val="1940583178"/>
+        <p14:creationId xmlns:p14="http://schemas.microsoft.com/office/powerpoint/2010/main" val="1166021663"/>
       </p:ext>
     </p:extLst>
   </p:cSld>
@@ -2752,6 +2767,197 @@
       </p:grpSpPr>
       <p:sp>
         <p:nvSpPr>
+          <p:cNvPr id="45" name="CustomShape 1"/>
+          <p:cNvSpPr/>
+          <p:nvPr/>
+        </p:nvSpPr>
+        <p:spPr>
+          <a:xfrm>
+            <a:off x="423360" y="123480"/>
+            <a:ext cx="11376000" cy="821720"/>
+          </a:xfrm>
+          <a:prstGeom prst="rect">
+            <a:avLst/>
+          </a:prstGeom>
+          <a:noFill/>
+          <a:ln>
+            <a:noFill/>
+          </a:ln>
+        </p:spPr>
+        <p:style>
+          <a:lnRef idx="0">
+            <a:scrgbClr r="0" g="0" b="0"/>
+          </a:lnRef>
+          <a:fillRef idx="0">
+            <a:scrgbClr r="0" g="0" b="0"/>
+          </a:fillRef>
+          <a:effectRef idx="0">
+            <a:scrgbClr r="0" g="0" b="0"/>
+          </a:effectRef>
+          <a:fontRef idx="minor"/>
+        </p:style>
+        <p:txBody>
+          <a:bodyPr lIns="90000" tIns="45000" rIns="90000" bIns="45000">
+            <a:spAutoFit/>
+          </a:bodyPr>
+          <a:lstStyle/>
+          <a:p>
+            <a:pPr algn="ctr">
+              <a:lnSpc>
+                <a:spcPct val="150000"/>
+              </a:lnSpc>
+              <a:spcAft>
+                <a:spcPts val="799"/>
+              </a:spcAft>
+            </a:pPr>
+            <a:r>
+              <a:rPr lang="ru-RU" sz="3600" b="1" spc="-1" dirty="0">
+                <a:solidFill>
+                  <a:srgbClr val="000000"/>
+                </a:solidFill>
+                <a:latin typeface="Times New Roman"/>
+                <a:ea typeface="DejaVu Sans"/>
+              </a:rPr>
+              <a:t>Декомпозиция в </a:t>
+            </a:r>
+            <a:r>
+              <a:rPr lang="en-US" sz="3600" b="1" strike="noStrike" spc="-1" dirty="0">
+                <a:solidFill>
+                  <a:srgbClr val="000000"/>
+                </a:solidFill>
+                <a:latin typeface="Times New Roman"/>
+                <a:ea typeface="DejaVu Sans"/>
+              </a:rPr>
+              <a:t>IDEF3</a:t>
+            </a:r>
+            <a:endParaRPr lang="ru-RU" sz="3600" b="0" strike="noStrike" spc="-1" dirty="0">
+              <a:latin typeface="Arial"/>
+            </a:endParaRPr>
+          </a:p>
+        </p:txBody>
+      </p:sp>
+      <p:sp>
+        <p:nvSpPr>
+          <p:cNvPr id="48" name="CustomShape 3"/>
+          <p:cNvSpPr/>
+          <p:nvPr/>
+        </p:nvSpPr>
+        <p:spPr>
+          <a:xfrm>
+            <a:off x="11685722" y="6336000"/>
+            <a:ext cx="625558" cy="583321"/>
+          </a:xfrm>
+          <a:prstGeom prst="rect">
+            <a:avLst/>
+          </a:prstGeom>
+          <a:noFill/>
+          <a:ln>
+            <a:noFill/>
+          </a:ln>
+        </p:spPr>
+        <p:style>
+          <a:lnRef idx="0">
+            <a:scrgbClr r="0" g="0" b="0"/>
+          </a:lnRef>
+          <a:fillRef idx="0">
+            <a:scrgbClr r="0" g="0" b="0"/>
+          </a:fillRef>
+          <a:effectRef idx="0">
+            <a:scrgbClr r="0" g="0" b="0"/>
+          </a:effectRef>
+          <a:fontRef idx="minor"/>
+        </p:style>
+        <p:txBody>
+          <a:bodyPr wrap="square" lIns="90000" tIns="45000" rIns="90000" bIns="45000" anchor="t">
+            <a:spAutoFit/>
+          </a:bodyPr>
+          <a:lstStyle/>
+          <a:p>
+            <a:pPr>
+              <a:lnSpc>
+                <a:spcPct val="100000"/>
+              </a:lnSpc>
+            </a:pPr>
+            <a:r>
+              <a:rPr lang="ru-RU" sz="3200" b="1" spc="-1" dirty="0">
+                <a:solidFill>
+                  <a:srgbClr val="000000"/>
+                </a:solidFill>
+                <a:latin typeface="Times New Roman"/>
+              </a:rPr>
+              <a:t>11</a:t>
+            </a:r>
+            <a:endParaRPr lang="ru-RU" sz="3200" b="0" strike="noStrike" spc="-1" dirty="0">
+              <a:latin typeface="Arial"/>
+            </a:endParaRPr>
+          </a:p>
+        </p:txBody>
+      </p:sp>
+      <p:pic>
+        <p:nvPicPr>
+          <p:cNvPr id="2" name="Picture 1" descr="A screenshot of a computer&#10;&#10;Автоматически созданное описание">
+            <a:extLst>
+              <a:ext uri="{FF2B5EF4-FFF2-40B4-BE49-F238E27FC236}">
+                <a16:creationId xmlns:a16="http://schemas.microsoft.com/office/drawing/2014/main" id="{9C62FC63-C1D7-127A-253A-40E7EC18DBB3}"/>
+              </a:ext>
+            </a:extLst>
+          </p:cNvPr>
+          <p:cNvPicPr>
+            <a:picLocks noChangeAspect="1"/>
+          </p:cNvPicPr>
+          <p:nvPr/>
+        </p:nvPicPr>
+        <p:blipFill>
+          <a:blip r:embed="rId2"/>
+          <a:stretch>
+            <a:fillRect/>
+          </a:stretch>
+        </p:blipFill>
+        <p:spPr>
+          <a:xfrm>
+            <a:off x="2606255" y="1292087"/>
+            <a:ext cx="6987774" cy="4853609"/>
+          </a:xfrm>
+          <a:prstGeom prst="rect">
+            <a:avLst/>
+          </a:prstGeom>
+        </p:spPr>
+      </p:pic>
+    </p:spTree>
+    <p:extLst>
+      <p:ext uri="{BB962C8B-B14F-4D97-AF65-F5344CB8AC3E}">
+        <p14:creationId xmlns:p14="http://schemas.microsoft.com/office/powerpoint/2010/main" val="1940583178"/>
+      </p:ext>
+    </p:extLst>
+  </p:cSld>
+  <p:clrMapOvr>
+    <a:masterClrMapping/>
+  </p:clrMapOvr>
+  <p:transition spd="slow">
+    <p:push dir="u"/>
+  </p:transition>
+</p:sld>
+</file>
+
+<file path=ppt/slides/slide12.xml><?xml version="1.0" encoding="utf-8"?>
+<p:sld xmlns:a="http://schemas.openxmlformats.org/drawingml/2006/main" xmlns:r="http://schemas.openxmlformats.org/officeDocument/2006/relationships" xmlns:p="http://schemas.openxmlformats.org/presentationml/2006/main">
+  <p:cSld>
+    <p:spTree>
+      <p:nvGrpSpPr>
+        <p:cNvPr id="1" name=""/>
+        <p:cNvGrpSpPr/>
+        <p:nvPr/>
+      </p:nvGrpSpPr>
+      <p:grpSpPr>
+        <a:xfrm>
+          <a:off x="0" y="0"/>
+          <a:ext cx="0" cy="0"/>
+          <a:chOff x="0" y="0"/>
+          <a:chExt cx="0" cy="0"/>
+        </a:xfrm>
+      </p:grpSpPr>
+      <p:sp>
+        <p:nvSpPr>
           <p:cNvPr id="5" name="CustomShape 1">
             <a:extLst>
               <a:ext uri="{FF2B5EF4-FFF2-40B4-BE49-F238E27FC236}">
@@ -2836,7 +3042,7 @@
         <p:spPr>
           <a:xfrm>
             <a:off x="335400" y="1249080"/>
-            <a:ext cx="11463960" cy="1132511"/>
+            <a:ext cx="11463960" cy="2379006"/>
           </a:xfrm>
           <a:prstGeom prst="rect">
             <a:avLst/>
@@ -2859,7 +3065,7 @@
           <a:fontRef idx="minor"/>
         </p:style>
         <p:txBody>
-          <a:bodyPr wrap="square" lIns="90000" tIns="45000" rIns="90000" bIns="45000">
+          <a:bodyPr wrap="square" lIns="90000" tIns="45000" rIns="90000" bIns="45000" anchor="t">
             <a:spAutoFit/>
           </a:bodyPr>
           <a:lstStyle/>
@@ -2871,19 +3077,19 @@
             </a:pPr>
             <a:r>
               <a:rPr lang="en-US" sz="2400" b="0" strike="noStrike" spc="-1" dirty="0">
-                <a:latin typeface="Times New Roman" panose="02020603050405020304" pitchFamily="18" charset="0"/>
-                <a:cs typeface="Times New Roman" panose="02020603050405020304" pitchFamily="18" charset="0"/>
+                <a:latin typeface="Times New Roman"/>
+                <a:cs typeface="Times New Roman"/>
               </a:rPr>
               <a:t>	</a:t>
             </a:r>
             <a:r>
-              <a:rPr lang="ru-RU" sz="2400" b="0" strike="noStrike" spc="-1" dirty="0">
-                <a:latin typeface="Times New Roman" panose="02020603050405020304" pitchFamily="18" charset="0"/>
-                <a:cs typeface="Times New Roman" panose="02020603050405020304" pitchFamily="18" charset="0"/>
-              </a:rPr>
-              <a:t>Текст</a:t>
-            </a:r>
-            <a:endParaRPr lang="ru-RU" sz="2400" spc="-1" dirty="0">
+              <a:rPr lang="ru-RU" spc="-1" dirty="0">
+                <a:latin typeface="Times New Roman"/>
+                <a:cs typeface="Times New Roman"/>
+              </a:rPr>
+              <a:t>Система предоставляет возможность клиенту упростить выборку товара и его покупку. За счет огромного ассортимента и хорошего отдела работы с клиентами, которые включают в себя качественные товара и их проверку. Благодаря этой информационной системе можно следить за наличием новых и уже имеющих товар в магазине, а также эксклюзивных вещей.</a:t>
+            </a:r>
+            <a:endParaRPr lang="en-US" spc="-1" dirty="0">
               <a:latin typeface="Times New Roman" panose="02020603050405020304" pitchFamily="18" charset="0"/>
               <a:cs typeface="Times New Roman" panose="02020603050405020304" pitchFamily="18" charset="0"/>
             </a:endParaRPr>
@@ -2939,7 +3145,7 @@
           <a:fontRef idx="minor"/>
         </p:style>
         <p:txBody>
-          <a:bodyPr wrap="square" lIns="90000" tIns="45000" rIns="90000" bIns="45000">
+          <a:bodyPr wrap="square" lIns="90000" tIns="45000" rIns="90000" bIns="45000" anchor="t">
             <a:spAutoFit/>
           </a:bodyPr>
           <a:lstStyle/>
@@ -2956,7 +3162,7 @@
                 </a:solidFill>
                 <a:latin typeface="Times New Roman"/>
               </a:rPr>
-              <a:t>11</a:t>
+              <a:t>12</a:t>
             </a:r>
             <a:endParaRPr lang="ru-RU" sz="3200" b="0" strike="noStrike" spc="-1" dirty="0">
               <a:latin typeface="Arial"/>
@@ -3131,7 +3337,7 @@
         <p:spPr>
           <a:xfrm>
             <a:off x="423360" y="1249080"/>
-            <a:ext cx="11376000" cy="1686509"/>
+            <a:ext cx="11376000" cy="3348502"/>
           </a:xfrm>
           <a:prstGeom prst="rect">
             <a:avLst/>
@@ -3154,7 +3360,7 @@
           <a:fontRef idx="minor"/>
         </p:style>
         <p:txBody>
-          <a:bodyPr wrap="square" lIns="90000" tIns="45000" rIns="90000" bIns="45000">
+          <a:bodyPr wrap="square" lIns="90000" tIns="45000" rIns="90000" bIns="45000" anchor="t">
             <a:spAutoFit/>
           </a:bodyPr>
           <a:lstStyle/>
@@ -3166,21 +3372,28 @@
             </a:pPr>
             <a:r>
               <a:rPr lang="ru-RU" sz="2400" b="0" strike="noStrike" spc="-1" dirty="0">
-                <a:latin typeface="Times New Roman" panose="02020603050405020304" pitchFamily="18" charset="0"/>
-                <a:cs typeface="Times New Roman" panose="02020603050405020304" pitchFamily="18" charset="0"/>
+                <a:latin typeface="Times New Roman"/>
+                <a:cs typeface="Times New Roman"/>
               </a:rPr>
               <a:t>	</a:t>
             </a:r>
             <a:r>
-              <a:rPr lang="ru-RU" sz="2400" spc="-1" dirty="0">
-                <a:latin typeface="Times New Roman" panose="02020603050405020304" pitchFamily="18" charset="0"/>
-                <a:cs typeface="Times New Roman" panose="02020603050405020304" pitchFamily="18" charset="0"/>
-              </a:rPr>
-              <a:t>Текст</a:t>
-            </a:r>
-            <a:endParaRPr lang="ru-RU" sz="2400" b="0" strike="noStrike" spc="-1" dirty="0">
-              <a:latin typeface="Times New Roman" panose="02020603050405020304" pitchFamily="18" charset="0"/>
-              <a:cs typeface="Times New Roman" panose="02020603050405020304" pitchFamily="18" charset="0"/>
+              <a:rPr lang="ru-RU" spc="-1" dirty="0">
+                <a:latin typeface="Times New Roman"/>
+                <a:cs typeface="Times New Roman"/>
+              </a:rPr>
+              <a:t>Актуальность темы, как создание информационной системы: с</a:t>
+            </a:r>
+            <a:r>
+              <a:rPr lang="ru-RU" spc="-1" dirty="0">
+                <a:latin typeface="Times New Roman"/>
+                <a:cs typeface="Calibri"/>
+              </a:rPr>
+              <a:t>портивный магазин инвентаря и кроссовок всегда будет актуальным, так как спорт является популярным и востребованным видом деятельности. Люди постоянно занимаются спортом, участвуют в соревнованиях и просто активно проводят время. Поэтому спортивный магазин, предлагающий широкий ассортимент спортивного инвентаря и качественной обуви для знаний спортом, всегда будет иметь постоянных покупателей.</a:t>
+            </a:r>
+            <a:endParaRPr lang="ru-RU" b="0" strike="noStrike" spc="-1" dirty="0">
+              <a:latin typeface="Times New Roman"/>
+              <a:cs typeface="Calibri"/>
             </a:endParaRPr>
           </a:p>
           <a:p>
@@ -3372,7 +3585,7 @@
         <p:spPr>
           <a:xfrm>
             <a:off x="423360" y="1249080"/>
-            <a:ext cx="11376000" cy="2240506"/>
+            <a:ext cx="11376000" cy="3440835"/>
           </a:xfrm>
           <a:prstGeom prst="rect">
             <a:avLst/>
@@ -3395,38 +3608,96 @@
           <a:fontRef idx="minor"/>
         </p:style>
         <p:txBody>
-          <a:bodyPr wrap="square" lIns="90000" tIns="45000" rIns="90000" bIns="45000">
+          <a:bodyPr wrap="square" lIns="90000" tIns="45000" rIns="90000" bIns="45000" anchor="t">
             <a:spAutoFit/>
           </a:bodyPr>
           <a:lstStyle/>
+          <a:p>
+            <a:pPr algn="just"/>
+            <a:r>
+              <a:rPr lang="ru-RU" sz="2400" b="0" strike="noStrike" spc="-1" dirty="0">
+                <a:latin typeface="Times New Roman"/>
+                <a:cs typeface="Times New Roman"/>
+              </a:rPr>
+              <a:t>	</a:t>
+            </a:r>
+            <a:r>
+              <a:rPr lang="ru-RU" spc="-1" dirty="0">
+                <a:latin typeface="Times New Roman"/>
+                <a:cs typeface="Times New Roman"/>
+              </a:rPr>
+              <a:t>Цель курсовой работы – разработка проекта информационной системы для спортивного магазина.</a:t>
+            </a:r>
+          </a:p>
+          <a:p>
+            <a:pPr algn="just"/>
+            <a:r>
+              <a:rPr lang="ru-RU" spc="-1" dirty="0">
+                <a:latin typeface="Times New Roman"/>
+                <a:cs typeface="Times New Roman"/>
+              </a:rPr>
+              <a:t>Задачи курсовой работы:</a:t>
+            </a:r>
+          </a:p>
+          <a:p>
+            <a:pPr marL="285750" indent="-285750" algn="just">
+              <a:buFont typeface="Arial"/>
+              <a:buChar char="•"/>
+            </a:pPr>
+            <a:r>
+              <a:rPr lang="ru-RU" spc="-1" dirty="0">
+                <a:latin typeface="Times New Roman"/>
+                <a:cs typeface="Times New Roman"/>
+              </a:rPr>
+              <a:t>Изучить тему и их специфики;</a:t>
+            </a:r>
+          </a:p>
+          <a:p>
+            <a:pPr marL="285750" indent="-285750" algn="just">
+              <a:buFont typeface="Arial"/>
+              <a:buChar char="•"/>
+            </a:pPr>
+            <a:r>
+              <a:rPr lang="ru-RU" spc="-1" dirty="0">
+                <a:latin typeface="Times New Roman"/>
+                <a:cs typeface="Times New Roman"/>
+              </a:rPr>
+              <a:t>Начертить диаграмму IDEF 3, IDEF 0 и DFD.</a:t>
+            </a:r>
+          </a:p>
+          <a:p>
+            <a:pPr marL="285750" indent="-285750" algn="just">
+              <a:buFont typeface="Arial"/>
+              <a:buChar char="•"/>
+            </a:pPr>
+            <a:r>
+              <a:rPr lang="ru-RU" spc="-1" dirty="0">
+                <a:latin typeface="Times New Roman"/>
+                <a:cs typeface="Times New Roman"/>
+              </a:rPr>
+              <a:t>Автоматизировать процессы работы.</a:t>
+            </a:r>
+          </a:p>
+          <a:p>
+            <a:pPr marL="285750" indent="-285750" algn="just">
+              <a:buFont typeface="Arial"/>
+              <a:buChar char="•"/>
+            </a:pPr>
+            <a:r>
+              <a:rPr lang="ru-RU" spc="-1" dirty="0">
+                <a:latin typeface="Times New Roman"/>
+                <a:cs typeface="Times New Roman"/>
+              </a:rPr>
+              <a:t>Созданий прототипа информационной системы.</a:t>
+            </a:r>
+          </a:p>
           <a:p>
             <a:pPr algn="just">
               <a:lnSpc>
                 <a:spcPct val="150000"/>
               </a:lnSpc>
             </a:pPr>
-            <a:r>
-              <a:rPr lang="ru-RU" sz="2400" b="0" strike="noStrike" spc="-1" dirty="0">
-                <a:latin typeface="Times New Roman" panose="02020603050405020304" pitchFamily="18" charset="0"/>
-                <a:cs typeface="Times New Roman" panose="02020603050405020304" pitchFamily="18" charset="0"/>
-              </a:rPr>
-              <a:t>	</a:t>
-            </a:r>
-            <a:r>
-              <a:rPr lang="ru-RU" sz="2400" spc="-1" dirty="0">
-                <a:latin typeface="Times New Roman" panose="02020603050405020304" pitchFamily="18" charset="0"/>
-                <a:cs typeface="Times New Roman" panose="02020603050405020304" pitchFamily="18" charset="0"/>
-              </a:rPr>
-              <a:t>Текст</a:t>
-            </a:r>
-          </a:p>
-          <a:p>
-            <a:pPr algn="just">
-              <a:lnSpc>
-                <a:spcPct val="150000"/>
-              </a:lnSpc>
-            </a:pPr>
-            <a:endParaRPr lang="ru-RU" sz="2400" b="0" strike="noStrike" spc="-1" dirty="0">
+            <a:endParaRPr lang="ru-RU" sz="2400" spc="-1" dirty="0">
               <a:latin typeface="Times New Roman" panose="02020603050405020304" pitchFamily="18" charset="0"/>
               <a:cs typeface="Times New Roman" panose="02020603050405020304" pitchFamily="18" charset="0"/>
             </a:endParaRPr>
@@ -3625,7 +3896,7 @@
         <p:spPr>
           <a:xfrm>
             <a:off x="423360" y="1249080"/>
-            <a:ext cx="11376000" cy="2240506"/>
+            <a:ext cx="11376000" cy="2886837"/>
           </a:xfrm>
           <a:prstGeom prst="rect">
             <a:avLst/>
@@ -3648,38 +3919,45 @@
           <a:fontRef idx="minor"/>
         </p:style>
         <p:txBody>
-          <a:bodyPr wrap="square" lIns="90000" tIns="45000" rIns="90000" bIns="45000">
+          <a:bodyPr wrap="square" lIns="90000" tIns="45000" rIns="90000" bIns="45000" anchor="t">
             <a:spAutoFit/>
           </a:bodyPr>
           <a:lstStyle/>
+          <a:p>
+            <a:pPr algn="just"/>
+            <a:r>
+              <a:rPr lang="ru-RU" spc="-1" dirty="0">
+                <a:latin typeface="Times New Roman"/>
+                <a:cs typeface="Times New Roman"/>
+              </a:rPr>
+              <a:t>  Объектом исследования курсовой работы является магазин спортивных товаров с целью оптимизации его работы и повышения эффективности, а также подбирать инвентарь.</a:t>
+            </a:r>
+          </a:p>
+          <a:p>
+            <a:pPr algn="just"/>
+            <a:r>
+              <a:rPr lang="ru-RU" spc="-1" dirty="0">
+                <a:latin typeface="Times New Roman"/>
+                <a:cs typeface="Times New Roman"/>
+              </a:rPr>
+              <a:t>Предмет исследования курсовой работы на </a:t>
+            </a:r>
+            <a:r>
+              <a:rPr lang="ru-RU" spc="-1" dirty="0">
+                <a:latin typeface="Calibri"/>
+                <a:cs typeface="Calibri"/>
+              </a:rPr>
+              <a:t>изучение особенностей функционирования информационной системы, ее структуры, возможностей и преимуществ для управления спортивным магазином.</a:t>
+            </a:r>
+            <a:endParaRPr lang="ru-RU" dirty="0"/>
+          </a:p>
           <a:p>
             <a:pPr algn="just">
               <a:lnSpc>
                 <a:spcPct val="150000"/>
               </a:lnSpc>
             </a:pPr>
-            <a:r>
-              <a:rPr lang="ru-RU" sz="2400" b="0" strike="noStrike" spc="-1" dirty="0">
-                <a:latin typeface="Times New Roman" panose="02020603050405020304" pitchFamily="18" charset="0"/>
-                <a:cs typeface="Times New Roman" panose="02020603050405020304" pitchFamily="18" charset="0"/>
-              </a:rPr>
-              <a:t>	</a:t>
-            </a:r>
-            <a:r>
-              <a:rPr lang="ru-RU" sz="2400" spc="-1" dirty="0">
-                <a:latin typeface="Times New Roman" panose="02020603050405020304" pitchFamily="18" charset="0"/>
-                <a:cs typeface="Times New Roman" panose="02020603050405020304" pitchFamily="18" charset="0"/>
-              </a:rPr>
-              <a:t>Текст</a:t>
-            </a:r>
-          </a:p>
-          <a:p>
-            <a:pPr algn="just">
-              <a:lnSpc>
-                <a:spcPct val="150000"/>
-              </a:lnSpc>
-            </a:pPr>
-            <a:endParaRPr lang="ru-RU" sz="2400" b="0" strike="noStrike" spc="-1" dirty="0">
+            <a:endParaRPr lang="ru-RU" sz="2400" spc="-1" dirty="0">
               <a:latin typeface="Times New Roman" panose="02020603050405020304" pitchFamily="18" charset="0"/>
               <a:cs typeface="Times New Roman" panose="02020603050405020304" pitchFamily="18" charset="0"/>
             </a:endParaRPr>
@@ -3873,6 +4151,36 @@
           </a:p>
         </p:txBody>
       </p:sp>
+      <p:pic>
+        <p:nvPicPr>
+          <p:cNvPr id="2" name="Picture 1" descr="A screenshot of a computer&#10;&#10;Автоматически созданное описание">
+            <a:extLst>
+              <a:ext uri="{FF2B5EF4-FFF2-40B4-BE49-F238E27FC236}">
+                <a16:creationId xmlns:a16="http://schemas.microsoft.com/office/drawing/2014/main" id="{AB7E47FF-73AD-EA1D-1381-F4FF1F83F489}"/>
+              </a:ext>
+            </a:extLst>
+          </p:cNvPr>
+          <p:cNvPicPr>
+            <a:picLocks noChangeAspect="1"/>
+          </p:cNvPicPr>
+          <p:nvPr/>
+        </p:nvPicPr>
+        <p:blipFill>
+          <a:blip r:embed="rId2"/>
+          <a:stretch>
+            <a:fillRect/>
+          </a:stretch>
+        </p:blipFill>
+        <p:spPr>
+          <a:xfrm>
+            <a:off x="3048785" y="1316934"/>
+            <a:ext cx="6367757" cy="4381500"/>
+          </a:xfrm>
+          <a:prstGeom prst="rect">
+            <a:avLst/>
+          </a:prstGeom>
+        </p:spPr>
+      </p:pic>
     </p:spTree>
     <p:extLst>
       <p:ext uri="{BB962C8B-B14F-4D97-AF65-F5344CB8AC3E}">
@@ -4034,6 +4342,36 @@
           </a:p>
         </p:txBody>
       </p:sp>
+      <p:pic>
+        <p:nvPicPr>
+          <p:cNvPr id="2" name="Picture 1" descr="A screenshot of a computer&#10;&#10;Автоматически созданное описание">
+            <a:extLst>
+              <a:ext uri="{FF2B5EF4-FFF2-40B4-BE49-F238E27FC236}">
+                <a16:creationId xmlns:a16="http://schemas.microsoft.com/office/drawing/2014/main" id="{CE28C3FB-C9FE-03FF-62F7-25658F59AE5B}"/>
+              </a:ext>
+            </a:extLst>
+          </p:cNvPr>
+          <p:cNvPicPr>
+            <a:picLocks noChangeAspect="1"/>
+          </p:cNvPicPr>
+          <p:nvPr/>
+        </p:nvPicPr>
+        <p:blipFill>
+          <a:blip r:embed="rId2"/>
+          <a:stretch>
+            <a:fillRect/>
+          </a:stretch>
+        </p:blipFill>
+        <p:spPr>
+          <a:xfrm>
+            <a:off x="2543224" y="1101587"/>
+            <a:ext cx="7097270" cy="4936435"/>
+          </a:xfrm>
+          <a:prstGeom prst="rect">
+            <a:avLst/>
+          </a:prstGeom>
+        </p:spPr>
+      </p:pic>
     </p:spTree>
     <p:extLst>
       <p:ext uri="{BB962C8B-B14F-4D97-AF65-F5344CB8AC3E}">
@@ -4195,6 +4533,36 @@
           </a:p>
         </p:txBody>
       </p:sp>
+      <p:pic>
+        <p:nvPicPr>
+          <p:cNvPr id="2" name="Picture 1" descr="A screenshot of a computer&#10;&#10;Автоматически созданное описание">
+            <a:extLst>
+              <a:ext uri="{FF2B5EF4-FFF2-40B4-BE49-F238E27FC236}">
+                <a16:creationId xmlns:a16="http://schemas.microsoft.com/office/drawing/2014/main" id="{8C2744A2-4044-27DA-D470-52CD7F3F68F5}"/>
+              </a:ext>
+            </a:extLst>
+          </p:cNvPr>
+          <p:cNvPicPr>
+            <a:picLocks noChangeAspect="1"/>
+          </p:cNvPicPr>
+          <p:nvPr/>
+        </p:nvPicPr>
+        <p:blipFill>
+          <a:blip r:embed="rId2"/>
+          <a:stretch>
+            <a:fillRect/>
+          </a:stretch>
+        </p:blipFill>
+        <p:spPr>
+          <a:xfrm>
+            <a:off x="2476154" y="1209261"/>
+            <a:ext cx="7239694" cy="5044109"/>
+          </a:xfrm>
+          <a:prstGeom prst="rect">
+            <a:avLst/>
+          </a:prstGeom>
+        </p:spPr>
+      </p:pic>
     </p:spTree>
     <p:extLst>
       <p:ext uri="{BB962C8B-B14F-4D97-AF65-F5344CB8AC3E}">
@@ -4356,6 +4724,36 @@
           </a:p>
         </p:txBody>
       </p:sp>
+      <p:pic>
+        <p:nvPicPr>
+          <p:cNvPr id="2" name="Picture 1" descr="A screenshot of a computer&#10;&#10;Автоматически созданное описание">
+            <a:extLst>
+              <a:ext uri="{FF2B5EF4-FFF2-40B4-BE49-F238E27FC236}">
+                <a16:creationId xmlns:a16="http://schemas.microsoft.com/office/drawing/2014/main" id="{C398A1C8-8F02-65A1-6471-F85732B107AE}"/>
+              </a:ext>
+            </a:extLst>
+          </p:cNvPr>
+          <p:cNvPicPr>
+            <a:picLocks noChangeAspect="1"/>
+          </p:cNvPicPr>
+          <p:nvPr/>
+        </p:nvPicPr>
+        <p:blipFill>
+          <a:blip r:embed="rId2"/>
+          <a:stretch>
+            <a:fillRect/>
+          </a:stretch>
+        </p:blipFill>
+        <p:spPr>
+          <a:xfrm>
+            <a:off x="2449363" y="1101587"/>
+            <a:ext cx="7293274" cy="5068957"/>
+          </a:xfrm>
+          <a:prstGeom prst="rect">
+            <a:avLst/>
+          </a:prstGeom>
+        </p:spPr>
+      </p:pic>
     </p:spTree>
     <p:extLst>
       <p:ext uri="{BB962C8B-B14F-4D97-AF65-F5344CB8AC3E}">
@@ -4445,16 +4843,6 @@
               <a:t>Декомпозиция </a:t>
             </a:r>
             <a:r>
-              <a:rPr lang="ru-RU" sz="3600" b="1" strike="noStrike" spc="-1" dirty="0">
-                <a:solidFill>
-                  <a:srgbClr val="000000"/>
-                </a:solidFill>
-                <a:latin typeface="Times New Roman"/>
-                <a:ea typeface="DejaVu Sans"/>
-              </a:rPr>
-              <a:t>в </a:t>
-            </a:r>
-            <a:r>
               <a:rPr lang="en-US" sz="3600" b="1" strike="noStrike" spc="-1" dirty="0">
                 <a:solidFill>
                   <a:srgbClr val="000000"/>
@@ -4462,7 +4850,7 @@
                 <a:latin typeface="Times New Roman"/>
                 <a:ea typeface="DejaVu Sans"/>
               </a:rPr>
-              <a:t>DFD</a:t>
+              <a:t>IDEF0</a:t>
             </a:r>
             <a:endParaRPr lang="ru-RU" sz="3600" b="0" strike="noStrike" spc="-1" dirty="0">
               <a:latin typeface="Arial"/>
@@ -4519,7 +4907,7 @@
                 </a:solidFill>
                 <a:latin typeface="Times New Roman"/>
               </a:rPr>
-              <a:t>9</a:t>
+              <a:t>8</a:t>
             </a:r>
             <a:endParaRPr lang="ru-RU" sz="3200" b="0" strike="noStrike" spc="-1" dirty="0">
               <a:latin typeface="Arial"/>
@@ -4527,10 +4915,40 @@
           </a:p>
         </p:txBody>
       </p:sp>
+      <p:pic>
+        <p:nvPicPr>
+          <p:cNvPr id="3" name="Picture 2" descr="A screenshot of a computer&#10;&#10;Автоматически созданное описание">
+            <a:extLst>
+              <a:ext uri="{FF2B5EF4-FFF2-40B4-BE49-F238E27FC236}">
+                <a16:creationId xmlns:a16="http://schemas.microsoft.com/office/drawing/2014/main" id="{1B93EEF4-175B-CA92-0B1B-D866C05DED8A}"/>
+              </a:ext>
+            </a:extLst>
+          </p:cNvPr>
+          <p:cNvPicPr>
+            <a:picLocks noChangeAspect="1"/>
+          </p:cNvPicPr>
+          <p:nvPr/>
+        </p:nvPicPr>
+        <p:blipFill>
+          <a:blip r:embed="rId2"/>
+          <a:stretch>
+            <a:fillRect/>
+          </a:stretch>
+        </p:blipFill>
+        <p:spPr>
+          <a:xfrm>
+            <a:off x="2708860" y="1441173"/>
+            <a:ext cx="6815694" cy="4712805"/>
+          </a:xfrm>
+          <a:prstGeom prst="rect">
+            <a:avLst/>
+          </a:prstGeom>
+        </p:spPr>
+      </p:pic>
     </p:spTree>
     <p:extLst>
       <p:ext uri="{BB962C8B-B14F-4D97-AF65-F5344CB8AC3E}">
-        <p14:creationId xmlns:p14="http://schemas.microsoft.com/office/powerpoint/2010/main" val="1166021663"/>
+        <p14:creationId xmlns:p14="http://schemas.microsoft.com/office/powerpoint/2010/main" val="164046804"/>
       </p:ext>
     </p:extLst>
   </p:cSld>

--- a/Образец.pptx
+++ b/Образец.pptx
@@ -10,13 +10,14 @@
     <p:sldId id="287" r:id="rId4"/>
     <p:sldId id="289" r:id="rId5"/>
     <p:sldId id="290" r:id="rId6"/>
-    <p:sldId id="291" r:id="rId7"/>
-    <p:sldId id="292" r:id="rId8"/>
-    <p:sldId id="293" r:id="rId9"/>
-    <p:sldId id="297" r:id="rId10"/>
-    <p:sldId id="294" r:id="rId11"/>
-    <p:sldId id="295" r:id="rId12"/>
-    <p:sldId id="288" r:id="rId13"/>
+    <p:sldId id="298" r:id="rId7"/>
+    <p:sldId id="291" r:id="rId8"/>
+    <p:sldId id="292" r:id="rId9"/>
+    <p:sldId id="293" r:id="rId10"/>
+    <p:sldId id="297" r:id="rId11"/>
+    <p:sldId id="294" r:id="rId12"/>
+    <p:sldId id="295" r:id="rId13"/>
+    <p:sldId id="288" r:id="rId14"/>
   </p:sldIdLst>
   <p:sldSz cx="12192000" cy="6858000"/>
   <p:notesSz cx="7559675" cy="10691813"/>
@@ -126,7 +127,7 @@
 <file path=ppt/revisionInfo.xml><?xml version="1.0" encoding="utf-8"?>
 <p1510:revInfo xmlns:a="http://schemas.openxmlformats.org/drawingml/2006/main" xmlns:r="http://schemas.openxmlformats.org/officeDocument/2006/relationships" xmlns:p1510="http://schemas.microsoft.com/office/powerpoint/2015/10/main">
   <p1510:revLst>
-    <p1510:client id="{1CCCB708-67A1-D1FB-E520-C969A14F79FC}" v="122" dt="2024-06-06T17:11:33.784"/>
+    <p1510:client id="{4624C0BA-D3E8-3CF6-8F95-9D05B55D8771}" v="5" dt="2024-06-15T13:55:06.995"/>
   </p1510:revLst>
 </p1510:revInfo>
 </file>
@@ -2620,16 +2621,6 @@
               <a:t>Декомпозиция </a:t>
             </a:r>
             <a:r>
-              <a:rPr lang="ru-RU" sz="3600" b="1" strike="noStrike" spc="-1" dirty="0">
-                <a:solidFill>
-                  <a:srgbClr val="000000"/>
-                </a:solidFill>
-                <a:latin typeface="Times New Roman"/>
-                <a:ea typeface="DejaVu Sans"/>
-              </a:rPr>
-              <a:t>в </a:t>
-            </a:r>
-            <a:r>
               <a:rPr lang="en-US" sz="3600" b="1" strike="noStrike" spc="-1" dirty="0">
                 <a:solidFill>
                   <a:srgbClr val="000000"/>
@@ -2637,7 +2628,7 @@
                 <a:latin typeface="Times New Roman"/>
                 <a:ea typeface="DejaVu Sans"/>
               </a:rPr>
-              <a:t>DFD</a:t>
+              <a:t>IDEF0</a:t>
             </a:r>
             <a:endParaRPr lang="ru-RU" sz="3600" b="0" strike="noStrike" spc="-1" dirty="0">
               <a:latin typeface="Arial"/>
@@ -2653,8 +2644,8 @@
         </p:nvSpPr>
         <p:spPr>
           <a:xfrm>
-            <a:off x="11666100" y="6336000"/>
-            <a:ext cx="645180" cy="583321"/>
+            <a:off x="11856600" y="6336000"/>
+            <a:ext cx="454680" cy="583321"/>
           </a:xfrm>
           <a:prstGeom prst="rect">
             <a:avLst/>
@@ -2677,7 +2668,7 @@
           <a:fontRef idx="minor"/>
         </p:style>
         <p:txBody>
-          <a:bodyPr wrap="square" lIns="90000" tIns="45000" rIns="90000" bIns="45000" anchor="t">
+          <a:bodyPr lIns="90000" tIns="45000" rIns="90000" bIns="45000">
             <a:spAutoFit/>
           </a:bodyPr>
           <a:lstStyle/>
@@ -2694,20 +2685,20 @@
                 </a:solidFill>
                 <a:latin typeface="Times New Roman"/>
               </a:rPr>
-              <a:t>10</a:t>
-            </a:r>
-            <a:endParaRPr lang="ru-RU" sz="3200" b="1" strike="noStrike" spc="-1" dirty="0">
-              <a:latin typeface="Times New Roman"/>
+              <a:t>8</a:t>
+            </a:r>
+            <a:endParaRPr lang="ru-RU" sz="3200" b="0" strike="noStrike" spc="-1" dirty="0">
+              <a:latin typeface="Arial"/>
             </a:endParaRPr>
           </a:p>
         </p:txBody>
       </p:sp>
       <p:pic>
         <p:nvPicPr>
-          <p:cNvPr id="2" name="Picture 1" descr="A screenshot of a computer&#10;&#10;Автоматически созданное описание">
+          <p:cNvPr id="3" name="Picture 2" descr="A screenshot of a computer&#10;&#10;Автоматически созданное описание">
             <a:extLst>
               <a:ext uri="{FF2B5EF4-FFF2-40B4-BE49-F238E27FC236}">
-                <a16:creationId xmlns:a16="http://schemas.microsoft.com/office/drawing/2014/main" id="{5FCA6505-4F5B-B87D-5585-4FBBDC29261E}"/>
+                <a16:creationId xmlns:a16="http://schemas.microsoft.com/office/drawing/2014/main" id="{1B93EEF4-175B-CA92-0B1B-D866C05DED8A}"/>
               </a:ext>
             </a:extLst>
           </p:cNvPr>
@@ -2724,8 +2715,8 @@
         </p:blipFill>
         <p:spPr>
           <a:xfrm>
-            <a:off x="2562042" y="1391479"/>
-            <a:ext cx="7101047" cy="4944718"/>
+            <a:off x="2708860" y="1441173"/>
+            <a:ext cx="6815694" cy="4712805"/>
           </a:xfrm>
           <a:prstGeom prst="rect">
             <a:avLst/>
@@ -2735,7 +2726,7 @@
     </p:spTree>
     <p:extLst>
       <p:ext uri="{BB962C8B-B14F-4D97-AF65-F5344CB8AC3E}">
-        <p14:creationId xmlns:p14="http://schemas.microsoft.com/office/powerpoint/2010/main" val="1166021663"/>
+        <p14:creationId xmlns:p14="http://schemas.microsoft.com/office/powerpoint/2010/main" val="164046804"/>
       </p:ext>
     </p:extLst>
   </p:cSld>
@@ -2818,6 +2809,207 @@
                 <a:latin typeface="Times New Roman"/>
                 <a:ea typeface="DejaVu Sans"/>
               </a:rPr>
+              <a:t>Декомпозиция </a:t>
+            </a:r>
+            <a:r>
+              <a:rPr lang="ru-RU" sz="3600" b="1" strike="noStrike" spc="-1" dirty="0">
+                <a:solidFill>
+                  <a:srgbClr val="000000"/>
+                </a:solidFill>
+                <a:latin typeface="Times New Roman"/>
+                <a:ea typeface="DejaVu Sans"/>
+              </a:rPr>
+              <a:t>в </a:t>
+            </a:r>
+            <a:r>
+              <a:rPr lang="en-US" sz="3600" b="1" strike="noStrike" spc="-1" dirty="0">
+                <a:solidFill>
+                  <a:srgbClr val="000000"/>
+                </a:solidFill>
+                <a:latin typeface="Times New Roman"/>
+                <a:ea typeface="DejaVu Sans"/>
+              </a:rPr>
+              <a:t>DFD</a:t>
+            </a:r>
+            <a:endParaRPr lang="ru-RU" sz="3600" b="0" strike="noStrike" spc="-1" dirty="0">
+              <a:latin typeface="Arial"/>
+            </a:endParaRPr>
+          </a:p>
+        </p:txBody>
+      </p:sp>
+      <p:sp>
+        <p:nvSpPr>
+          <p:cNvPr id="48" name="CustomShape 3"/>
+          <p:cNvSpPr/>
+          <p:nvPr/>
+        </p:nvSpPr>
+        <p:spPr>
+          <a:xfrm>
+            <a:off x="11666100" y="6336000"/>
+            <a:ext cx="645180" cy="583321"/>
+          </a:xfrm>
+          <a:prstGeom prst="rect">
+            <a:avLst/>
+          </a:prstGeom>
+          <a:noFill/>
+          <a:ln>
+            <a:noFill/>
+          </a:ln>
+        </p:spPr>
+        <p:style>
+          <a:lnRef idx="0">
+            <a:scrgbClr r="0" g="0" b="0"/>
+          </a:lnRef>
+          <a:fillRef idx="0">
+            <a:scrgbClr r="0" g="0" b="0"/>
+          </a:fillRef>
+          <a:effectRef idx="0">
+            <a:scrgbClr r="0" g="0" b="0"/>
+          </a:effectRef>
+          <a:fontRef idx="minor"/>
+        </p:style>
+        <p:txBody>
+          <a:bodyPr wrap="square" lIns="90000" tIns="45000" rIns="90000" bIns="45000" anchor="t">
+            <a:spAutoFit/>
+          </a:bodyPr>
+          <a:lstStyle/>
+          <a:p>
+            <a:pPr>
+              <a:lnSpc>
+                <a:spcPct val="100000"/>
+              </a:lnSpc>
+            </a:pPr>
+            <a:r>
+              <a:rPr lang="ru-RU" sz="3200" b="1" spc="-1" dirty="0">
+                <a:solidFill>
+                  <a:srgbClr val="000000"/>
+                </a:solidFill>
+                <a:latin typeface="Times New Roman"/>
+              </a:rPr>
+              <a:t>10</a:t>
+            </a:r>
+            <a:endParaRPr lang="ru-RU" sz="3200" b="1" strike="noStrike" spc="-1" dirty="0">
+              <a:latin typeface="Times New Roman"/>
+            </a:endParaRPr>
+          </a:p>
+        </p:txBody>
+      </p:sp>
+      <p:pic>
+        <p:nvPicPr>
+          <p:cNvPr id="2" name="Picture 1" descr="A screenshot of a computer&#10;&#10;Автоматически созданное описание">
+            <a:extLst>
+              <a:ext uri="{FF2B5EF4-FFF2-40B4-BE49-F238E27FC236}">
+                <a16:creationId xmlns:a16="http://schemas.microsoft.com/office/drawing/2014/main" id="{5FCA6505-4F5B-B87D-5585-4FBBDC29261E}"/>
+              </a:ext>
+            </a:extLst>
+          </p:cNvPr>
+          <p:cNvPicPr>
+            <a:picLocks noChangeAspect="1"/>
+          </p:cNvPicPr>
+          <p:nvPr/>
+        </p:nvPicPr>
+        <p:blipFill>
+          <a:blip r:embed="rId2"/>
+          <a:stretch>
+            <a:fillRect/>
+          </a:stretch>
+        </p:blipFill>
+        <p:spPr>
+          <a:xfrm>
+            <a:off x="2562042" y="1391479"/>
+            <a:ext cx="7101047" cy="4944718"/>
+          </a:xfrm>
+          <a:prstGeom prst="rect">
+            <a:avLst/>
+          </a:prstGeom>
+        </p:spPr>
+      </p:pic>
+    </p:spTree>
+    <p:extLst>
+      <p:ext uri="{BB962C8B-B14F-4D97-AF65-F5344CB8AC3E}">
+        <p14:creationId xmlns:p14="http://schemas.microsoft.com/office/powerpoint/2010/main" val="1166021663"/>
+      </p:ext>
+    </p:extLst>
+  </p:cSld>
+  <p:clrMapOvr>
+    <a:masterClrMapping/>
+  </p:clrMapOvr>
+  <p:transition spd="slow">
+    <p:push dir="u"/>
+  </p:transition>
+</p:sld>
+</file>
+
+<file path=ppt/slides/slide12.xml><?xml version="1.0" encoding="utf-8"?>
+<p:sld xmlns:a="http://schemas.openxmlformats.org/drawingml/2006/main" xmlns:r="http://schemas.openxmlformats.org/officeDocument/2006/relationships" xmlns:p="http://schemas.openxmlformats.org/presentationml/2006/main">
+  <p:cSld>
+    <p:spTree>
+      <p:nvGrpSpPr>
+        <p:cNvPr id="1" name=""/>
+        <p:cNvGrpSpPr/>
+        <p:nvPr/>
+      </p:nvGrpSpPr>
+      <p:grpSpPr>
+        <a:xfrm>
+          <a:off x="0" y="0"/>
+          <a:ext cx="0" cy="0"/>
+          <a:chOff x="0" y="0"/>
+          <a:chExt cx="0" cy="0"/>
+        </a:xfrm>
+      </p:grpSpPr>
+      <p:sp>
+        <p:nvSpPr>
+          <p:cNvPr id="45" name="CustomShape 1"/>
+          <p:cNvSpPr/>
+          <p:nvPr/>
+        </p:nvSpPr>
+        <p:spPr>
+          <a:xfrm>
+            <a:off x="423360" y="123480"/>
+            <a:ext cx="11376000" cy="821720"/>
+          </a:xfrm>
+          <a:prstGeom prst="rect">
+            <a:avLst/>
+          </a:prstGeom>
+          <a:noFill/>
+          <a:ln>
+            <a:noFill/>
+          </a:ln>
+        </p:spPr>
+        <p:style>
+          <a:lnRef idx="0">
+            <a:scrgbClr r="0" g="0" b="0"/>
+          </a:lnRef>
+          <a:fillRef idx="0">
+            <a:scrgbClr r="0" g="0" b="0"/>
+          </a:fillRef>
+          <a:effectRef idx="0">
+            <a:scrgbClr r="0" g="0" b="0"/>
+          </a:effectRef>
+          <a:fontRef idx="minor"/>
+        </p:style>
+        <p:txBody>
+          <a:bodyPr lIns="90000" tIns="45000" rIns="90000" bIns="45000">
+            <a:spAutoFit/>
+          </a:bodyPr>
+          <a:lstStyle/>
+          <a:p>
+            <a:pPr algn="ctr">
+              <a:lnSpc>
+                <a:spcPct val="150000"/>
+              </a:lnSpc>
+              <a:spcAft>
+                <a:spcPts val="799"/>
+              </a:spcAft>
+            </a:pPr>
+            <a:r>
+              <a:rPr lang="ru-RU" sz="3600" b="1" spc="-1" dirty="0">
+                <a:solidFill>
+                  <a:srgbClr val="000000"/>
+                </a:solidFill>
+                <a:latin typeface="Times New Roman"/>
+                <a:ea typeface="DejaVu Sans"/>
+              </a:rPr>
               <a:t>Декомпозиция в </a:t>
             </a:r>
             <a:r>
@@ -2939,7 +3131,7 @@
 </p:sld>
 </file>
 
-<file path=ppt/slides/slide12.xml><?xml version="1.0" encoding="utf-8"?>
+<file path=ppt/slides/slide13.xml><?xml version="1.0" encoding="utf-8"?>
 <p:sld xmlns:a="http://schemas.openxmlformats.org/drawingml/2006/main" xmlns:r="http://schemas.openxmlformats.org/officeDocument/2006/relationships" xmlns:p="http://schemas.openxmlformats.org/presentationml/2006/main">
   <p:cSld>
     <p:spTree>
@@ -4344,10 +4536,10 @@
       </p:sp>
       <p:pic>
         <p:nvPicPr>
-          <p:cNvPr id="2" name="Picture 1" descr="A screenshot of a computer&#10;&#10;Автоматически созданное описание">
+          <p:cNvPr id="3" name="Picture 2" descr="A diagram of a book&#10;&#10;Автоматически созданное описание">
             <a:extLst>
               <a:ext uri="{FF2B5EF4-FFF2-40B4-BE49-F238E27FC236}">
-                <a16:creationId xmlns:a16="http://schemas.microsoft.com/office/drawing/2014/main" id="{CE28C3FB-C9FE-03FF-62F7-25658F59AE5B}"/>
+                <a16:creationId xmlns:a16="http://schemas.microsoft.com/office/drawing/2014/main" id="{6791F10D-ED3E-9005-23CF-03D6F2244DC1}"/>
               </a:ext>
             </a:extLst>
           </p:cNvPr>
@@ -4364,8 +4556,8 @@
         </p:blipFill>
         <p:spPr>
           <a:xfrm>
-            <a:off x="2543224" y="1101587"/>
-            <a:ext cx="7097270" cy="4936435"/>
+            <a:off x="1624013" y="943182"/>
+            <a:ext cx="8943975" cy="5286375"/>
           </a:xfrm>
           <a:prstGeom prst="rect">
             <a:avLst/>
@@ -4375,7 +4567,7 @@
     </p:spTree>
     <p:extLst>
       <p:ext uri="{BB962C8B-B14F-4D97-AF65-F5344CB8AC3E}">
-        <p14:creationId xmlns:p14="http://schemas.microsoft.com/office/powerpoint/2010/main" val="2334667312"/>
+        <p14:creationId xmlns:p14="http://schemas.microsoft.com/office/powerpoint/2010/main" val="1378232325"/>
       </p:ext>
     </p:extLst>
   </p:cSld>
@@ -4525,7 +4717,7 @@
                 </a:solidFill>
                 <a:latin typeface="Times New Roman"/>
               </a:rPr>
-              <a:t>7</a:t>
+              <a:t>6</a:t>
             </a:r>
             <a:endParaRPr lang="ru-RU" sz="3200" b="0" strike="noStrike" spc="-1" dirty="0">
               <a:latin typeface="Arial"/>
@@ -4538,7 +4730,7 @@
           <p:cNvPr id="2" name="Picture 1" descr="A screenshot of a computer&#10;&#10;Автоматически созданное описание">
             <a:extLst>
               <a:ext uri="{FF2B5EF4-FFF2-40B4-BE49-F238E27FC236}">
-                <a16:creationId xmlns:a16="http://schemas.microsoft.com/office/drawing/2014/main" id="{8C2744A2-4044-27DA-D470-52CD7F3F68F5}"/>
+                <a16:creationId xmlns:a16="http://schemas.microsoft.com/office/drawing/2014/main" id="{CE28C3FB-C9FE-03FF-62F7-25658F59AE5B}"/>
               </a:ext>
             </a:extLst>
           </p:cNvPr>
@@ -4555,8 +4747,8 @@
         </p:blipFill>
         <p:spPr>
           <a:xfrm>
-            <a:off x="2476154" y="1209261"/>
-            <a:ext cx="7239694" cy="5044109"/>
+            <a:off x="2543224" y="1101587"/>
+            <a:ext cx="7097270" cy="4936435"/>
           </a:xfrm>
           <a:prstGeom prst="rect">
             <a:avLst/>
@@ -4566,7 +4758,7 @@
     </p:spTree>
     <p:extLst>
       <p:ext uri="{BB962C8B-B14F-4D97-AF65-F5344CB8AC3E}">
-        <p14:creationId xmlns:p14="http://schemas.microsoft.com/office/powerpoint/2010/main" val="2939815719"/>
+        <p14:creationId xmlns:p14="http://schemas.microsoft.com/office/powerpoint/2010/main" val="2334667312"/>
       </p:ext>
     </p:extLst>
   </p:cSld>
@@ -4716,7 +4908,7 @@
                 </a:solidFill>
                 <a:latin typeface="Times New Roman"/>
               </a:rPr>
-              <a:t>8</a:t>
+              <a:t>7</a:t>
             </a:r>
             <a:endParaRPr lang="ru-RU" sz="3200" b="0" strike="noStrike" spc="-1" dirty="0">
               <a:latin typeface="Arial"/>
@@ -4729,7 +4921,7 @@
           <p:cNvPr id="2" name="Picture 1" descr="A screenshot of a computer&#10;&#10;Автоматически созданное описание">
             <a:extLst>
               <a:ext uri="{FF2B5EF4-FFF2-40B4-BE49-F238E27FC236}">
-                <a16:creationId xmlns:a16="http://schemas.microsoft.com/office/drawing/2014/main" id="{C398A1C8-8F02-65A1-6471-F85732B107AE}"/>
+                <a16:creationId xmlns:a16="http://schemas.microsoft.com/office/drawing/2014/main" id="{8C2744A2-4044-27DA-D470-52CD7F3F68F5}"/>
               </a:ext>
             </a:extLst>
           </p:cNvPr>
@@ -4746,8 +4938,8 @@
         </p:blipFill>
         <p:spPr>
           <a:xfrm>
-            <a:off x="2449363" y="1101587"/>
-            <a:ext cx="7293274" cy="5068957"/>
+            <a:off x="2476154" y="1209261"/>
+            <a:ext cx="7239694" cy="5044109"/>
           </a:xfrm>
           <a:prstGeom prst="rect">
             <a:avLst/>
@@ -4757,7 +4949,7 @@
     </p:spTree>
     <p:extLst>
       <p:ext uri="{BB962C8B-B14F-4D97-AF65-F5344CB8AC3E}">
-        <p14:creationId xmlns:p14="http://schemas.microsoft.com/office/powerpoint/2010/main" val="3031243138"/>
+        <p14:creationId xmlns:p14="http://schemas.microsoft.com/office/powerpoint/2010/main" val="2939815719"/>
       </p:ext>
     </p:extLst>
   </p:cSld>
@@ -4917,10 +5109,10 @@
       </p:sp>
       <p:pic>
         <p:nvPicPr>
-          <p:cNvPr id="3" name="Picture 2" descr="A screenshot of a computer&#10;&#10;Автоматически созданное описание">
+          <p:cNvPr id="2" name="Picture 1" descr="A screenshot of a computer&#10;&#10;Автоматически созданное описание">
             <a:extLst>
               <a:ext uri="{FF2B5EF4-FFF2-40B4-BE49-F238E27FC236}">
-                <a16:creationId xmlns:a16="http://schemas.microsoft.com/office/drawing/2014/main" id="{1B93EEF4-175B-CA92-0B1B-D866C05DED8A}"/>
+                <a16:creationId xmlns:a16="http://schemas.microsoft.com/office/drawing/2014/main" id="{C398A1C8-8F02-65A1-6471-F85732B107AE}"/>
               </a:ext>
             </a:extLst>
           </p:cNvPr>
@@ -4937,8 +5129,8 @@
         </p:blipFill>
         <p:spPr>
           <a:xfrm>
-            <a:off x="2708860" y="1441173"/>
-            <a:ext cx="6815694" cy="4712805"/>
+            <a:off x="2449363" y="1101587"/>
+            <a:ext cx="7293274" cy="5068957"/>
           </a:xfrm>
           <a:prstGeom prst="rect">
             <a:avLst/>
@@ -4948,7 +5140,7 @@
     </p:spTree>
     <p:extLst>
       <p:ext uri="{BB962C8B-B14F-4D97-AF65-F5344CB8AC3E}">
-        <p14:creationId xmlns:p14="http://schemas.microsoft.com/office/powerpoint/2010/main" val="164046804"/>
+        <p14:creationId xmlns:p14="http://schemas.microsoft.com/office/powerpoint/2010/main" val="3031243138"/>
       </p:ext>
     </p:extLst>
   </p:cSld>
